--- a/DBD 분석/맵 분석/3. 콜드윈드 농장(★)/3. 썩은 들판(★)/19_12_생존자(vs데모고르곤).pptx
+++ b/DBD 분석/맵 분석/3. 콜드윈드 농장(★)/3. 썩은 들판(★)/19_12_생존자(vs데모고르곤).pptx
@@ -132,7 +132,18 @@
   </p:defaultTextStyle>
   <p:extLst>
     <p:ext uri="{EFAFB233-063F-42B5-8137-9DF3F51BA10A}">
-      <p15:sldGuideLst xmlns:p15="http://schemas.microsoft.com/office/powerpoint/2012/main" xmlns=""/>
+      <p15:sldGuideLst xmlns:p15="http://schemas.microsoft.com/office/powerpoint/2012/main">
+        <p15:guide id="1" orient="horz" pos="2160">
+          <p15:clr>
+            <a:srgbClr val="A4A3A4"/>
+          </p15:clr>
+        </p15:guide>
+        <p15:guide id="2" pos="3840">
+          <p15:clr>
+            <a:srgbClr val="A4A3A4"/>
+          </p15:clr>
+        </p15:guide>
+      </p15:sldGuideLst>
     </p:ext>
   </p:extLst>
 </p:presentation>
@@ -220,7 +231,7 @@
           <a:p>
             <a:fld id="{92FB9B8E-7460-4A65-8DD1-5001397F6CD0}" type="datetimeFigureOut">
               <a:rPr lang="ko-KR" altLang="en-US" smtClean="0"/>
-              <a:t>2020-01-24</a:t>
+              <a:t>2020-01-31</a:t>
             </a:fld>
             <a:endParaRPr lang="ko-KR" altLang="en-US"/>
           </a:p>
@@ -632,13 +643,8 @@
             </a:r>
             <a:r>
               <a:rPr lang="en-US" altLang="ko-KR" dirty="0" smtClean="0"/>
-              <a:t>: </a:t>
-            </a:r>
-            <a:r>
-              <a:rPr lang="en-US" altLang="ko-KR" dirty="0" smtClean="0"/>
-              <a:t>3:55~4:10</a:t>
-            </a:r>
-            <a:endParaRPr lang="en-US" altLang="ko-KR" dirty="0" smtClean="0"/>
+              <a:t>: 3:55~4:10</a:t>
+            </a:r>
           </a:p>
           <a:p>
             <a:r>
@@ -647,11 +653,7 @@
             </a:r>
             <a:r>
               <a:rPr lang="en-US" altLang="ko-KR" dirty="0" smtClean="0"/>
-              <a:t>: </a:t>
-            </a:r>
-            <a:r>
-              <a:rPr lang="en-US" altLang="ko-KR" dirty="0" smtClean="0"/>
-              <a:t>R5-&gt;W6</a:t>
+              <a:t>: R5-&gt;W6</a:t>
             </a:r>
           </a:p>
           <a:p>
@@ -795,7 +797,6 @@
               <a:rPr lang="en-US" altLang="ko-KR" baseline="0" dirty="0" smtClean="0"/>
               <a:t>.</a:t>
             </a:r>
-            <a:endParaRPr lang="en-US" altLang="ko-KR" baseline="0" dirty="0" smtClean="0"/>
           </a:p>
         </p:txBody>
       </p:sp>
@@ -885,13 +886,8 @@
             </a:r>
             <a:r>
               <a:rPr lang="en-US" altLang="ko-KR" dirty="0" smtClean="0"/>
-              <a:t>: </a:t>
-            </a:r>
-            <a:r>
-              <a:rPr lang="en-US" altLang="ko-KR" dirty="0" smtClean="0"/>
-              <a:t>4:10~4:30</a:t>
-            </a:r>
-            <a:endParaRPr lang="en-US" altLang="ko-KR" dirty="0" smtClean="0"/>
+              <a:t>: 4:10~4:30</a:t>
+            </a:r>
           </a:p>
           <a:p>
             <a:r>
@@ -900,11 +896,7 @@
             </a:r>
             <a:r>
               <a:rPr lang="en-US" altLang="ko-KR" dirty="0" smtClean="0"/>
-              <a:t>: </a:t>
-            </a:r>
-            <a:r>
-              <a:rPr lang="en-US" altLang="ko-KR" dirty="0" smtClean="0"/>
-              <a:t>W6-&gt;KS-&gt;U2</a:t>
+              <a:t>: W6-&gt;KS-&gt;U2</a:t>
             </a:r>
           </a:p>
           <a:p>
@@ -1117,7 +1109,6 @@
               <a:rPr lang="en-US" altLang="ko-KR" baseline="0" dirty="0" smtClean="0"/>
               <a:t>)</a:t>
             </a:r>
-            <a:endParaRPr lang="en-US" altLang="ko-KR" baseline="0" dirty="0" smtClean="0"/>
           </a:p>
         </p:txBody>
       </p:sp>
@@ -1207,13 +1198,8 @@
             </a:r>
             <a:r>
               <a:rPr lang="en-US" altLang="ko-KR" dirty="0" smtClean="0"/>
-              <a:t>: </a:t>
-            </a:r>
-            <a:r>
-              <a:rPr lang="en-US" altLang="ko-KR" dirty="0" smtClean="0"/>
-              <a:t>4:30~4:50</a:t>
-            </a:r>
-            <a:endParaRPr lang="en-US" altLang="ko-KR" dirty="0" smtClean="0"/>
+              <a:t>: 4:30~4:50</a:t>
+            </a:r>
           </a:p>
           <a:p>
             <a:r>
@@ -1222,11 +1208,7 @@
             </a:r>
             <a:r>
               <a:rPr lang="en-US" altLang="ko-KR" dirty="0" smtClean="0"/>
-              <a:t>: </a:t>
-            </a:r>
-            <a:r>
-              <a:rPr lang="en-US" altLang="ko-KR" dirty="0" smtClean="0"/>
-              <a:t>U2</a:t>
+              <a:t>: U2</a:t>
             </a:r>
           </a:p>
           <a:p>
@@ -1402,13 +1384,8 @@
             </a:r>
             <a:r>
               <a:rPr lang="en-US" altLang="ko-KR" dirty="0" smtClean="0"/>
-              <a:t>: </a:t>
-            </a:r>
-            <a:r>
-              <a:rPr lang="en-US" altLang="ko-KR" dirty="0" smtClean="0"/>
-              <a:t>4:50~5:10</a:t>
-            </a:r>
-            <a:endParaRPr lang="en-US" altLang="ko-KR" dirty="0" smtClean="0"/>
+              <a:t>: 4:50~5:10</a:t>
+            </a:r>
           </a:p>
           <a:p>
             <a:r>
@@ -1417,11 +1394,7 @@
             </a:r>
             <a:r>
               <a:rPr lang="en-US" altLang="ko-KR" dirty="0" smtClean="0"/>
-              <a:t>: </a:t>
-            </a:r>
-            <a:r>
-              <a:rPr lang="en-US" altLang="ko-KR" dirty="0" smtClean="0"/>
-              <a:t>U2</a:t>
+              <a:t>: U2</a:t>
             </a:r>
           </a:p>
           <a:p>
@@ -1809,13 +1782,8 @@
             </a:r>
             <a:r>
               <a:rPr lang="en-US" altLang="ko-KR" dirty="0" smtClean="0"/>
-              <a:t>: </a:t>
-            </a:r>
-            <a:r>
-              <a:rPr lang="en-US" altLang="ko-KR" dirty="0" smtClean="0"/>
-              <a:t>5:10~5:45</a:t>
-            </a:r>
-            <a:endParaRPr lang="en-US" altLang="ko-KR" dirty="0" smtClean="0"/>
+              <a:t>: 5:10~5:45</a:t>
+            </a:r>
           </a:p>
           <a:p>
             <a:r>
@@ -1824,11 +1792,7 @@
             </a:r>
             <a:r>
               <a:rPr lang="en-US" altLang="ko-KR" dirty="0" smtClean="0"/>
-              <a:t>: </a:t>
-            </a:r>
-            <a:r>
-              <a:rPr lang="en-US" altLang="ko-KR" dirty="0" smtClean="0"/>
-              <a:t>W5-&gt;U2-&gt;R4-&gt;W3-&gt;W2</a:t>
+              <a:t>: W5-&gt;U2-&gt;R4-&gt;W3-&gt;W2</a:t>
             </a:r>
           </a:p>
           <a:p>
@@ -2311,13 +2275,8 @@
             </a:r>
             <a:r>
               <a:rPr lang="en-US" altLang="ko-KR" dirty="0" smtClean="0"/>
-              <a:t>: </a:t>
-            </a:r>
-            <a:r>
-              <a:rPr lang="en-US" altLang="ko-KR" dirty="0" smtClean="0"/>
-              <a:t>5:45~6:20</a:t>
-            </a:r>
-            <a:endParaRPr lang="en-US" altLang="ko-KR" dirty="0" smtClean="0"/>
+              <a:t>: 5:45~6:20</a:t>
+            </a:r>
           </a:p>
           <a:p>
             <a:r>
@@ -2804,13 +2763,8 @@
             </a:r>
             <a:r>
               <a:rPr lang="en-US" altLang="ko-KR" dirty="0" smtClean="0"/>
-              <a:t>: </a:t>
-            </a:r>
-            <a:r>
-              <a:rPr lang="en-US" altLang="ko-KR" dirty="0" smtClean="0"/>
-              <a:t>6:20~6:35</a:t>
-            </a:r>
-            <a:endParaRPr lang="en-US" altLang="ko-KR" dirty="0" smtClean="0"/>
+              <a:t>: 6:20~6:35</a:t>
+            </a:r>
           </a:p>
           <a:p>
             <a:r>
@@ -3245,13 +3199,8 @@
             </a:r>
             <a:r>
               <a:rPr lang="en-US" altLang="ko-KR" dirty="0" smtClean="0"/>
-              <a:t>: </a:t>
-            </a:r>
-            <a:r>
-              <a:rPr lang="en-US" altLang="ko-KR" dirty="0" smtClean="0"/>
-              <a:t>6:35~7:10</a:t>
-            </a:r>
-            <a:endParaRPr lang="en-US" altLang="ko-KR" dirty="0" smtClean="0"/>
+              <a:t>: 6:35~7:10</a:t>
+            </a:r>
           </a:p>
           <a:p>
             <a:r>
@@ -3725,13 +3674,8 @@
             </a:r>
             <a:r>
               <a:rPr lang="en-US" altLang="ko-KR" dirty="0" smtClean="0"/>
-              <a:t>: </a:t>
-            </a:r>
-            <a:r>
-              <a:rPr lang="en-US" altLang="ko-KR" dirty="0" smtClean="0"/>
-              <a:t>7:10~7:47</a:t>
-            </a:r>
-            <a:endParaRPr lang="en-US" altLang="ko-KR" dirty="0" smtClean="0"/>
+              <a:t>: 7:10~7:47</a:t>
+            </a:r>
           </a:p>
           <a:p>
             <a:r>
@@ -4341,13 +4285,8 @@
             </a:r>
             <a:r>
               <a:rPr lang="en-US" altLang="ko-KR" dirty="0" smtClean="0"/>
-              <a:t>: </a:t>
-            </a:r>
-            <a:r>
-              <a:rPr lang="en-US" altLang="ko-KR" dirty="0" smtClean="0"/>
-              <a:t>7:47~8:00</a:t>
-            </a:r>
-            <a:endParaRPr lang="en-US" altLang="ko-KR" dirty="0" smtClean="0"/>
+              <a:t>: 7:47~8:00</a:t>
+            </a:r>
           </a:p>
           <a:p>
             <a:r>
@@ -4658,13 +4597,8 @@
             </a:r>
             <a:r>
               <a:rPr lang="en-US" altLang="ko-KR" dirty="0" smtClean="0"/>
-              <a:t>: </a:t>
-            </a:r>
-            <a:r>
-              <a:rPr lang="en-US" altLang="ko-KR" dirty="0" smtClean="0"/>
-              <a:t>1:05~1:30</a:t>
-            </a:r>
-            <a:endParaRPr lang="en-US" altLang="ko-KR" dirty="0" smtClean="0"/>
+              <a:t>: 1:05~1:30</a:t>
+            </a:r>
           </a:p>
           <a:p>
             <a:r>
@@ -4673,13 +4607,8 @@
             </a:r>
             <a:r>
               <a:rPr lang="en-US" altLang="ko-KR" dirty="0" smtClean="0"/>
-              <a:t>: </a:t>
-            </a:r>
-            <a:r>
-              <a:rPr lang="en-US" altLang="ko-KR" dirty="0" smtClean="0"/>
-              <a:t>W3-&gt;F3-&gt;F7</a:t>
-            </a:r>
-            <a:endParaRPr lang="en-US" altLang="ko-KR" dirty="0" smtClean="0"/>
+              <a:t>: W3-&gt;F3-&gt;F7</a:t>
+            </a:r>
           </a:p>
           <a:p>
             <a:r>
@@ -4719,11 +4648,7 @@
             </a:r>
             <a:r>
               <a:rPr lang="ko-KR" altLang="en-US" baseline="0" dirty="0" smtClean="0"/>
-              <a:t>게임 외적 </a:t>
-            </a:r>
-            <a:r>
-              <a:rPr lang="ko-KR" altLang="en-US" baseline="0" dirty="0" smtClean="0"/>
-              <a:t>얘기</a:t>
+              <a:t>게임 외적 얘기</a:t>
             </a:r>
             <a:r>
               <a:rPr lang="en-US" altLang="ko-KR" baseline="0" dirty="0" smtClean="0"/>
@@ -4754,11 +4679,7 @@
             </a:r>
             <a:r>
               <a:rPr lang="ko-KR" altLang="en-US" baseline="0" dirty="0" smtClean="0"/>
-              <a:t>생존자 </a:t>
-            </a:r>
-            <a:r>
-              <a:rPr lang="ko-KR" altLang="en-US" baseline="0" dirty="0" smtClean="0"/>
-              <a:t>조우</a:t>
+              <a:t>생존자 조우</a:t>
             </a:r>
             <a:r>
               <a:rPr lang="en-US" altLang="ko-KR" baseline="0" dirty="0" smtClean="0"/>
@@ -5145,13 +5066,8 @@
             </a:r>
             <a:r>
               <a:rPr lang="en-US" altLang="ko-KR" dirty="0" smtClean="0"/>
-              <a:t>: </a:t>
-            </a:r>
-            <a:r>
-              <a:rPr lang="en-US" altLang="ko-KR" dirty="0" smtClean="0"/>
-              <a:t>8:00~9:00</a:t>
-            </a:r>
-            <a:endParaRPr lang="en-US" altLang="ko-KR" dirty="0" smtClean="0"/>
+              <a:t>: 8:00~9:00</a:t>
+            </a:r>
           </a:p>
           <a:p>
             <a:r>
@@ -5666,13 +5582,8 @@
             </a:r>
             <a:r>
               <a:rPr lang="en-US" altLang="ko-KR" dirty="0" smtClean="0"/>
-              <a:t>: </a:t>
-            </a:r>
-            <a:r>
-              <a:rPr lang="en-US" altLang="ko-KR" dirty="0" smtClean="0"/>
-              <a:t>9:00~9:50</a:t>
-            </a:r>
-            <a:endParaRPr lang="en-US" altLang="ko-KR" dirty="0" smtClean="0"/>
+              <a:t>: 9:00~9:50</a:t>
+            </a:r>
           </a:p>
           <a:p>
             <a:r>
@@ -6239,13 +6150,8 @@
             </a:r>
             <a:r>
               <a:rPr lang="en-US" altLang="ko-KR" dirty="0" smtClean="0"/>
-              <a:t>: </a:t>
-            </a:r>
-            <a:r>
-              <a:rPr lang="en-US" altLang="ko-KR" dirty="0" smtClean="0"/>
-              <a:t>9:50~10:05</a:t>
-            </a:r>
-            <a:endParaRPr lang="en-US" altLang="ko-KR" dirty="0" smtClean="0"/>
+              <a:t>: 9:50~10:05</a:t>
+            </a:r>
           </a:p>
           <a:p>
             <a:r>
@@ -6558,13 +6464,8 @@
             </a:r>
             <a:r>
               <a:rPr lang="en-US" altLang="ko-KR" dirty="0" smtClean="0"/>
-              <a:t>: </a:t>
-            </a:r>
-            <a:r>
-              <a:rPr lang="en-US" altLang="ko-KR" dirty="0" smtClean="0"/>
-              <a:t>10:05~10:10</a:t>
-            </a:r>
-            <a:endParaRPr lang="en-US" altLang="ko-KR" dirty="0" smtClean="0"/>
+              <a:t>: 10:05~10:10</a:t>
+            </a:r>
           </a:p>
           <a:p>
             <a:r>
@@ -6616,7 +6517,6 @@
               <a:rPr lang="en-US" altLang="ko-KR" baseline="0" dirty="0" smtClean="0"/>
               <a:t>: </a:t>
             </a:r>
-            <a:endParaRPr lang="en-US" altLang="ko-KR" baseline="0" dirty="0" smtClean="0"/>
           </a:p>
           <a:p>
             <a:r>
@@ -6726,13 +6626,8 @@
             </a:r>
             <a:r>
               <a:rPr lang="en-US" altLang="ko-KR" dirty="0" smtClean="0"/>
-              <a:t>: </a:t>
-            </a:r>
-            <a:r>
-              <a:rPr lang="en-US" altLang="ko-KR" dirty="0" smtClean="0"/>
-              <a:t>10:10~10:30</a:t>
-            </a:r>
-            <a:endParaRPr lang="en-US" altLang="ko-KR" dirty="0" smtClean="0"/>
+              <a:t>: 10:10~10:30</a:t>
+            </a:r>
           </a:p>
           <a:p>
             <a:r>
@@ -7197,10 +7092,9 @@
               <a:t>위기상황을 극복한 극적인 탈출에 감탄</a:t>
             </a:r>
             <a:r>
-              <a:rPr lang="en-US" altLang="ko-KR" baseline="0" smtClean="0"/>
+              <a:rPr lang="en-US" altLang="ko-KR" baseline="0" dirty="0" smtClean="0"/>
               <a:t>)</a:t>
             </a:r>
-            <a:endParaRPr lang="en-US" altLang="ko-KR" baseline="0" dirty="0" smtClean="0"/>
           </a:p>
         </p:txBody>
       </p:sp>
@@ -7290,13 +7184,8 @@
             </a:r>
             <a:r>
               <a:rPr lang="en-US" altLang="ko-KR" dirty="0" smtClean="0"/>
-              <a:t>: </a:t>
-            </a:r>
-            <a:r>
-              <a:rPr lang="en-US" altLang="ko-KR" dirty="0" smtClean="0"/>
-              <a:t>1:30~1:38</a:t>
-            </a:r>
-            <a:endParaRPr lang="en-US" altLang="ko-KR" dirty="0" smtClean="0"/>
+              <a:t>: 1:30~1:38</a:t>
+            </a:r>
           </a:p>
           <a:p>
             <a:r>
@@ -7305,11 +7194,7 @@
             </a:r>
             <a:r>
               <a:rPr lang="en-US" altLang="ko-KR" dirty="0" smtClean="0"/>
-              <a:t>: </a:t>
-            </a:r>
-            <a:r>
-              <a:rPr lang="en-US" altLang="ko-KR" dirty="0" smtClean="0"/>
-              <a:t>F7</a:t>
+              <a:t>: F7</a:t>
             </a:r>
           </a:p>
           <a:p>
@@ -7365,7 +7250,6 @@
               <a:rPr lang="en-US" altLang="ko-KR" baseline="0" dirty="0" smtClean="0"/>
               <a:t>:</a:t>
             </a:r>
-            <a:endParaRPr lang="en-US" altLang="ko-KR" baseline="0" dirty="0" smtClean="0"/>
           </a:p>
         </p:txBody>
       </p:sp>
@@ -7455,13 +7339,8 @@
             </a:r>
             <a:r>
               <a:rPr lang="en-US" altLang="ko-KR" dirty="0" smtClean="0"/>
-              <a:t>: </a:t>
-            </a:r>
-            <a:r>
-              <a:rPr lang="en-US" altLang="ko-KR" dirty="0" smtClean="0"/>
-              <a:t>1:38~1:43</a:t>
-            </a:r>
-            <a:endParaRPr lang="en-US" altLang="ko-KR" dirty="0" smtClean="0"/>
+              <a:t>: 1:38~1:43</a:t>
+            </a:r>
           </a:p>
           <a:p>
             <a:r>
@@ -7470,11 +7349,7 @@
             </a:r>
             <a:r>
               <a:rPr lang="en-US" altLang="ko-KR" dirty="0" smtClean="0"/>
-              <a:t>: </a:t>
-            </a:r>
-            <a:r>
-              <a:rPr lang="en-US" altLang="ko-KR" dirty="0" smtClean="0"/>
-              <a:t>F7-&gt;U2</a:t>
+              <a:t>: F7-&gt;U2</a:t>
             </a:r>
           </a:p>
           <a:p>
@@ -7596,7 +7471,6 @@
               <a:rPr lang="en-US" altLang="ko-KR" baseline="0" dirty="0" smtClean="0"/>
               <a:t>)</a:t>
             </a:r>
-            <a:endParaRPr lang="en-US" altLang="ko-KR" baseline="0" dirty="0" smtClean="0"/>
           </a:p>
         </p:txBody>
       </p:sp>
@@ -7686,13 +7560,8 @@
             </a:r>
             <a:r>
               <a:rPr lang="en-US" altLang="ko-KR" dirty="0" smtClean="0"/>
-              <a:t>: </a:t>
-            </a:r>
-            <a:r>
-              <a:rPr lang="en-US" altLang="ko-KR" dirty="0" smtClean="0"/>
-              <a:t>1:43~1:55</a:t>
-            </a:r>
-            <a:endParaRPr lang="en-US" altLang="ko-KR" dirty="0" smtClean="0"/>
+              <a:t>: 1:43~1:55</a:t>
+            </a:r>
           </a:p>
           <a:p>
             <a:r>
@@ -7701,11 +7570,7 @@
             </a:r>
             <a:r>
               <a:rPr lang="en-US" altLang="ko-KR" dirty="0" smtClean="0"/>
-              <a:t>: </a:t>
-            </a:r>
-            <a:r>
-              <a:rPr lang="en-US" altLang="ko-KR" dirty="0" smtClean="0"/>
-              <a:t>U2</a:t>
+              <a:t>: U2</a:t>
             </a:r>
           </a:p>
           <a:p>
@@ -7944,13 +7809,8 @@
             </a:r>
             <a:r>
               <a:rPr lang="en-US" altLang="ko-KR" dirty="0" smtClean="0"/>
-              <a:t>: </a:t>
-            </a:r>
-            <a:r>
-              <a:rPr lang="en-US" altLang="ko-KR" dirty="0" smtClean="0"/>
-              <a:t>1:55~2:30</a:t>
-            </a:r>
-            <a:endParaRPr lang="en-US" altLang="ko-KR" dirty="0" smtClean="0"/>
+              <a:t>: 1:55~2:30</a:t>
+            </a:r>
           </a:p>
           <a:p>
             <a:r>
@@ -7959,11 +7819,7 @@
             </a:r>
             <a:r>
               <a:rPr lang="en-US" altLang="ko-KR" dirty="0" smtClean="0"/>
-              <a:t>: </a:t>
-            </a:r>
-            <a:r>
-              <a:rPr lang="en-US" altLang="ko-KR" dirty="0" smtClean="0"/>
-              <a:t>U2-&gt;F3-&gt;W2-&gt;W1</a:t>
+              <a:t>: U2-&gt;F3-&gt;W2-&gt;W1</a:t>
             </a:r>
           </a:p>
           <a:p>
@@ -8446,13 +8302,8 @@
             </a:r>
             <a:r>
               <a:rPr lang="en-US" altLang="ko-KR" dirty="0" smtClean="0"/>
-              <a:t>: </a:t>
-            </a:r>
-            <a:r>
-              <a:rPr lang="en-US" altLang="ko-KR" dirty="0" smtClean="0"/>
-              <a:t>2:30~3:10</a:t>
-            </a:r>
-            <a:endParaRPr lang="en-US" altLang="ko-KR" dirty="0" smtClean="0"/>
+              <a:t>: 2:30~3:10</a:t>
+            </a:r>
           </a:p>
           <a:p>
             <a:r>
@@ -8461,11 +8312,7 @@
             </a:r>
             <a:r>
               <a:rPr lang="en-US" altLang="ko-KR" dirty="0" smtClean="0"/>
-              <a:t>: </a:t>
-            </a:r>
-            <a:r>
-              <a:rPr lang="en-US" altLang="ko-KR" dirty="0" smtClean="0"/>
-              <a:t>W1-&gt;W2-&gt;W1</a:t>
+              <a:t>: W1-&gt;W2-&gt;W1</a:t>
             </a:r>
           </a:p>
           <a:p>
@@ -8908,13 +8755,8 @@
             </a:r>
             <a:r>
               <a:rPr lang="en-US" altLang="ko-KR" dirty="0" smtClean="0"/>
-              <a:t>: </a:t>
-            </a:r>
-            <a:r>
-              <a:rPr lang="en-US" altLang="ko-KR" dirty="0" smtClean="0"/>
-              <a:t>3:10~3:35</a:t>
-            </a:r>
-            <a:endParaRPr lang="en-US" altLang="ko-KR" dirty="0" smtClean="0"/>
+              <a:t>: 3:10~3:35</a:t>
+            </a:r>
           </a:p>
           <a:p>
             <a:r>
@@ -8923,11 +8765,7 @@
             </a:r>
             <a:r>
               <a:rPr lang="en-US" altLang="ko-KR" dirty="0" smtClean="0"/>
-              <a:t>: </a:t>
-            </a:r>
-            <a:r>
-              <a:rPr lang="en-US" altLang="ko-KR" dirty="0" smtClean="0"/>
-              <a:t>W1-&gt;U3-&gt;R5</a:t>
+              <a:t>: W1-&gt;U3-&gt;R5</a:t>
             </a:r>
           </a:p>
           <a:p>
@@ -9331,13 +9169,8 @@
             </a:r>
             <a:r>
               <a:rPr lang="en-US" altLang="ko-KR" dirty="0" smtClean="0"/>
-              <a:t>: </a:t>
-            </a:r>
-            <a:r>
-              <a:rPr lang="en-US" altLang="ko-KR" dirty="0" smtClean="0"/>
-              <a:t>3:35~3:55</a:t>
-            </a:r>
-            <a:endParaRPr lang="en-US" altLang="ko-KR" dirty="0" smtClean="0"/>
+              <a:t>: 3:35~3:55</a:t>
+            </a:r>
           </a:p>
           <a:p>
             <a:r>
@@ -9346,11 +9179,7 @@
             </a:r>
             <a:r>
               <a:rPr lang="en-US" altLang="ko-KR" dirty="0" smtClean="0"/>
-              <a:t>: </a:t>
-            </a:r>
-            <a:r>
-              <a:rPr lang="en-US" altLang="ko-KR" dirty="0" smtClean="0"/>
-              <a:t>R5</a:t>
+              <a:t>: R5</a:t>
             </a:r>
           </a:p>
           <a:p>
@@ -9928,7 +9757,7 @@
           <a:p>
             <a:fld id="{F86301F8-5A19-4D53-B525-D052BC8201C6}" type="datetimeFigureOut">
               <a:rPr lang="ko-KR" altLang="en-US" smtClean="0"/>
-              <a:t>2020-01-24</a:t>
+              <a:t>2020-01-31</a:t>
             </a:fld>
             <a:endParaRPr lang="ko-KR" altLang="en-US"/>
           </a:p>
@@ -10098,7 +9927,7 @@
           <a:p>
             <a:fld id="{F86301F8-5A19-4D53-B525-D052BC8201C6}" type="datetimeFigureOut">
               <a:rPr lang="ko-KR" altLang="en-US" smtClean="0"/>
-              <a:t>2020-01-24</a:t>
+              <a:t>2020-01-31</a:t>
             </a:fld>
             <a:endParaRPr lang="ko-KR" altLang="en-US"/>
           </a:p>
@@ -10278,7 +10107,7 @@
           <a:p>
             <a:fld id="{F86301F8-5A19-4D53-B525-D052BC8201C6}" type="datetimeFigureOut">
               <a:rPr lang="ko-KR" altLang="en-US" smtClean="0"/>
-              <a:t>2020-01-24</a:t>
+              <a:t>2020-01-31</a:t>
             </a:fld>
             <a:endParaRPr lang="ko-KR" altLang="en-US"/>
           </a:p>
@@ -10448,7 +10277,7 @@
           <a:p>
             <a:fld id="{F86301F8-5A19-4D53-B525-D052BC8201C6}" type="datetimeFigureOut">
               <a:rPr lang="ko-KR" altLang="en-US" smtClean="0"/>
-              <a:t>2020-01-24</a:t>
+              <a:t>2020-01-31</a:t>
             </a:fld>
             <a:endParaRPr lang="ko-KR" altLang="en-US"/>
           </a:p>
@@ -10694,7 +10523,7 @@
           <a:p>
             <a:fld id="{F86301F8-5A19-4D53-B525-D052BC8201C6}" type="datetimeFigureOut">
               <a:rPr lang="ko-KR" altLang="en-US" smtClean="0"/>
-              <a:t>2020-01-24</a:t>
+              <a:t>2020-01-31</a:t>
             </a:fld>
             <a:endParaRPr lang="ko-KR" altLang="en-US"/>
           </a:p>
@@ -10926,7 +10755,7 @@
           <a:p>
             <a:fld id="{F86301F8-5A19-4D53-B525-D052BC8201C6}" type="datetimeFigureOut">
               <a:rPr lang="ko-KR" altLang="en-US" smtClean="0"/>
-              <a:t>2020-01-24</a:t>
+              <a:t>2020-01-31</a:t>
             </a:fld>
             <a:endParaRPr lang="ko-KR" altLang="en-US"/>
           </a:p>
@@ -11293,7 +11122,7 @@
           <a:p>
             <a:fld id="{F86301F8-5A19-4D53-B525-D052BC8201C6}" type="datetimeFigureOut">
               <a:rPr lang="ko-KR" altLang="en-US" smtClean="0"/>
-              <a:t>2020-01-24</a:t>
+              <a:t>2020-01-31</a:t>
             </a:fld>
             <a:endParaRPr lang="ko-KR" altLang="en-US"/>
           </a:p>
@@ -11411,7 +11240,7 @@
           <a:p>
             <a:fld id="{F86301F8-5A19-4D53-B525-D052BC8201C6}" type="datetimeFigureOut">
               <a:rPr lang="ko-KR" altLang="en-US" smtClean="0"/>
-              <a:t>2020-01-24</a:t>
+              <a:t>2020-01-31</a:t>
             </a:fld>
             <a:endParaRPr lang="ko-KR" altLang="en-US"/>
           </a:p>
@@ -11506,7 +11335,7 @@
           <a:p>
             <a:fld id="{F86301F8-5A19-4D53-B525-D052BC8201C6}" type="datetimeFigureOut">
               <a:rPr lang="ko-KR" altLang="en-US" smtClean="0"/>
-              <a:t>2020-01-24</a:t>
+              <a:t>2020-01-31</a:t>
             </a:fld>
             <a:endParaRPr lang="ko-KR" altLang="en-US"/>
           </a:p>
@@ -11783,7 +11612,7 @@
           <a:p>
             <a:fld id="{F86301F8-5A19-4D53-B525-D052BC8201C6}" type="datetimeFigureOut">
               <a:rPr lang="ko-KR" altLang="en-US" smtClean="0"/>
-              <a:t>2020-01-24</a:t>
+              <a:t>2020-01-31</a:t>
             </a:fld>
             <a:endParaRPr lang="ko-KR" altLang="en-US"/>
           </a:p>
@@ -12036,7 +11865,7 @@
           <a:p>
             <a:fld id="{F86301F8-5A19-4D53-B525-D052BC8201C6}" type="datetimeFigureOut">
               <a:rPr lang="ko-KR" altLang="en-US" smtClean="0"/>
-              <a:t>2020-01-24</a:t>
+              <a:t>2020-01-31</a:t>
             </a:fld>
             <a:endParaRPr lang="ko-KR" altLang="en-US"/>
           </a:p>
@@ -12249,7 +12078,7 @@
           <a:p>
             <a:fld id="{F86301F8-5A19-4D53-B525-D052BC8201C6}" type="datetimeFigureOut">
               <a:rPr lang="ko-KR" altLang="en-US" smtClean="0"/>
-              <a:t>2020-01-24</a:t>
+              <a:t>2020-01-31</a:t>
             </a:fld>
             <a:endParaRPr lang="ko-KR" altLang="en-US"/>
           </a:p>
@@ -13768,11 +13597,6 @@
               </a:rPr>
               <a:t>TR</a:t>
             </a:r>
-            <a:endParaRPr lang="en-US" altLang="ko-KR" dirty="0" smtClean="0">
-              <a:solidFill>
-                <a:schemeClr val="tx1"/>
-              </a:solidFill>
-            </a:endParaRPr>
           </a:p>
         </p:txBody>
       </p:sp>
@@ -14557,11 +14381,7 @@
           <a:p>
             <a:r>
               <a:rPr lang="en-US" altLang="ko-KR" dirty="0" smtClean="0"/>
-              <a:t>19</a:t>
-            </a:r>
-            <a:r>
-              <a:rPr lang="en-US" altLang="ko-KR" dirty="0" smtClean="0"/>
-              <a:t>_12_</a:t>
+              <a:t>19_12_</a:t>
             </a:r>
             <a:r>
               <a:rPr lang="ko-KR" altLang="en-US" dirty="0" smtClean="0"/>
@@ -14648,7 +14468,7 @@
         </p:nvSpPr>
         <p:spPr>
           <a:xfrm>
-            <a:off x="5545687" y="5615786"/>
+            <a:off x="5533495" y="5615786"/>
             <a:ext cx="900000" cy="900000"/>
           </a:xfrm>
           <a:prstGeom prst="rect">
@@ -16632,11 +16452,7 @@
           <a:p>
             <a:r>
               <a:rPr lang="en-US" altLang="ko-KR" dirty="0" smtClean="0"/>
-              <a:t>19</a:t>
-            </a:r>
-            <a:r>
-              <a:rPr lang="en-US" altLang="ko-KR" dirty="0" smtClean="0"/>
-              <a:t>_12_</a:t>
+              <a:t>19_12_</a:t>
             </a:r>
             <a:r>
               <a:rPr lang="ko-KR" altLang="en-US" dirty="0" smtClean="0"/>
@@ -16759,7 +16575,7 @@
         </p:nvSpPr>
         <p:spPr>
           <a:xfrm>
-            <a:off x="5545687" y="5615786"/>
+            <a:off x="5533495" y="5615786"/>
             <a:ext cx="900000" cy="900000"/>
           </a:xfrm>
           <a:prstGeom prst="rect">
@@ -18743,11 +18559,7 @@
           <a:p>
             <a:r>
               <a:rPr lang="en-US" altLang="ko-KR" dirty="0" smtClean="0"/>
-              <a:t>19</a:t>
-            </a:r>
-            <a:r>
-              <a:rPr lang="en-US" altLang="ko-KR" dirty="0" smtClean="0"/>
-              <a:t>_12_</a:t>
+              <a:t>19_12_</a:t>
             </a:r>
             <a:r>
               <a:rPr lang="ko-KR" altLang="en-US" dirty="0" smtClean="0"/>
@@ -18906,7 +18718,7 @@
         </p:nvSpPr>
         <p:spPr>
           <a:xfrm>
-            <a:off x="5545687" y="5615786"/>
+            <a:off x="5533495" y="5615786"/>
             <a:ext cx="900000" cy="900000"/>
           </a:xfrm>
           <a:prstGeom prst="rect">
@@ -20890,11 +20702,7 @@
           <a:p>
             <a:r>
               <a:rPr lang="en-US" altLang="ko-KR" dirty="0" smtClean="0"/>
-              <a:t>19</a:t>
-            </a:r>
-            <a:r>
-              <a:rPr lang="en-US" altLang="ko-KR" dirty="0" smtClean="0"/>
-              <a:t>_12_</a:t>
+              <a:t>19_12_</a:t>
             </a:r>
             <a:r>
               <a:rPr lang="ko-KR" altLang="en-US" dirty="0" smtClean="0"/>
@@ -20981,7 +20789,7 @@
         </p:nvSpPr>
         <p:spPr>
           <a:xfrm>
-            <a:off x="5545687" y="5615786"/>
+            <a:off x="5533495" y="5615786"/>
             <a:ext cx="900000" cy="900000"/>
           </a:xfrm>
           <a:prstGeom prst="rect">
@@ -22967,11 +22775,7 @@
           <a:p>
             <a:r>
               <a:rPr lang="en-US" altLang="ko-KR" dirty="0" smtClean="0"/>
-              <a:t>19</a:t>
-            </a:r>
-            <a:r>
-              <a:rPr lang="en-US" altLang="ko-KR" dirty="0" smtClean="0"/>
-              <a:t>_12_</a:t>
+              <a:t>19_12_</a:t>
             </a:r>
             <a:r>
               <a:rPr lang="ko-KR" altLang="en-US" dirty="0" smtClean="0"/>
@@ -23058,7 +22862,7 @@
         </p:nvSpPr>
         <p:spPr>
           <a:xfrm>
-            <a:off x="5545687" y="5615786"/>
+            <a:off x="5533495" y="5615786"/>
             <a:ext cx="900000" cy="900000"/>
           </a:xfrm>
           <a:prstGeom prst="rect">
@@ -25040,11 +24844,7 @@
           <a:p>
             <a:r>
               <a:rPr lang="en-US" altLang="ko-KR" dirty="0" smtClean="0"/>
-              <a:t>19</a:t>
-            </a:r>
-            <a:r>
-              <a:rPr lang="en-US" altLang="ko-KR" dirty="0" smtClean="0"/>
-              <a:t>_12_</a:t>
+              <a:t>19_12_</a:t>
             </a:r>
             <a:r>
               <a:rPr lang="ko-KR" altLang="en-US" dirty="0" smtClean="0"/>
@@ -25275,7 +25075,7 @@
         </p:nvSpPr>
         <p:spPr>
           <a:xfrm>
-            <a:off x="5545687" y="5615786"/>
+            <a:off x="5533495" y="5615786"/>
             <a:ext cx="900000" cy="900000"/>
           </a:xfrm>
           <a:prstGeom prst="rect">
@@ -27259,11 +27059,7 @@
           <a:p>
             <a:r>
               <a:rPr lang="en-US" altLang="ko-KR" dirty="0" smtClean="0"/>
-              <a:t>19</a:t>
-            </a:r>
-            <a:r>
-              <a:rPr lang="en-US" altLang="ko-KR" dirty="0" smtClean="0"/>
-              <a:t>_12_</a:t>
+              <a:t>19_12_</a:t>
             </a:r>
             <a:r>
               <a:rPr lang="ko-KR" altLang="en-US" dirty="0" smtClean="0"/>
@@ -27350,7 +27146,7 @@
         </p:nvSpPr>
         <p:spPr>
           <a:xfrm>
-            <a:off x="5545687" y="5615786"/>
+            <a:off x="5533495" y="5615786"/>
             <a:ext cx="900000" cy="900000"/>
           </a:xfrm>
           <a:prstGeom prst="rect">
@@ -29334,11 +29130,7 @@
           <a:p>
             <a:r>
               <a:rPr lang="en-US" altLang="ko-KR" dirty="0" smtClean="0"/>
-              <a:t>19</a:t>
-            </a:r>
-            <a:r>
-              <a:rPr lang="en-US" altLang="ko-KR" dirty="0" smtClean="0"/>
-              <a:t>_12_</a:t>
+              <a:t>19_12_</a:t>
             </a:r>
             <a:r>
               <a:rPr lang="ko-KR" altLang="en-US" dirty="0" smtClean="0"/>
@@ -29461,7 +29253,7 @@
         </p:nvSpPr>
         <p:spPr>
           <a:xfrm>
-            <a:off x="5545687" y="5615786"/>
+            <a:off x="5533495" y="5615786"/>
             <a:ext cx="900000" cy="900000"/>
           </a:xfrm>
           <a:prstGeom prst="rect">
@@ -31445,11 +31237,7 @@
           <a:p>
             <a:r>
               <a:rPr lang="en-US" altLang="ko-KR" dirty="0" smtClean="0"/>
-              <a:t>19</a:t>
-            </a:r>
-            <a:r>
-              <a:rPr lang="en-US" altLang="ko-KR" dirty="0" smtClean="0"/>
-              <a:t>_12_</a:t>
+              <a:t>19_12_</a:t>
             </a:r>
             <a:r>
               <a:rPr lang="ko-KR" altLang="en-US" dirty="0" smtClean="0"/>
@@ -31572,7 +31360,7 @@
         </p:nvSpPr>
         <p:spPr>
           <a:xfrm>
-            <a:off x="5545687" y="5615786"/>
+            <a:off x="5533495" y="5615786"/>
             <a:ext cx="900000" cy="900000"/>
           </a:xfrm>
           <a:prstGeom prst="rect">
@@ -33558,11 +33346,7 @@
           <a:p>
             <a:r>
               <a:rPr lang="en-US" altLang="ko-KR" dirty="0" smtClean="0"/>
-              <a:t>19</a:t>
-            </a:r>
-            <a:r>
-              <a:rPr lang="en-US" altLang="ko-KR" dirty="0" smtClean="0"/>
-              <a:t>_12_</a:t>
+              <a:t>19_12_</a:t>
             </a:r>
             <a:r>
               <a:rPr lang="ko-KR" altLang="en-US" dirty="0" smtClean="0"/>
@@ -33649,7 +33433,7 @@
         </p:nvSpPr>
         <p:spPr>
           <a:xfrm>
-            <a:off x="5545687" y="5615786"/>
+            <a:off x="5533495" y="5615786"/>
             <a:ext cx="900000" cy="900000"/>
           </a:xfrm>
           <a:prstGeom prst="rect">
@@ -35633,11 +35417,7 @@
           <a:p>
             <a:r>
               <a:rPr lang="en-US" altLang="ko-KR" dirty="0" smtClean="0"/>
-              <a:t>19</a:t>
-            </a:r>
-            <a:r>
-              <a:rPr lang="en-US" altLang="ko-KR" dirty="0" smtClean="0"/>
-              <a:t>_12_</a:t>
+              <a:t>19_12_</a:t>
             </a:r>
             <a:r>
               <a:rPr lang="ko-KR" altLang="en-US" dirty="0" smtClean="0"/>
@@ -35760,7 +35540,7 @@
         </p:nvSpPr>
         <p:spPr>
           <a:xfrm>
-            <a:off x="5545687" y="5615786"/>
+            <a:off x="5533495" y="5615786"/>
             <a:ext cx="900000" cy="900000"/>
           </a:xfrm>
           <a:prstGeom prst="rect">
@@ -37867,11 +37647,7 @@
           <a:p>
             <a:r>
               <a:rPr lang="en-US" altLang="ko-KR" dirty="0" smtClean="0"/>
-              <a:t>19</a:t>
-            </a:r>
-            <a:r>
-              <a:rPr lang="en-US" altLang="ko-KR" dirty="0" smtClean="0"/>
-              <a:t>_12_</a:t>
+              <a:t>19_12_</a:t>
             </a:r>
             <a:r>
               <a:rPr lang="ko-KR" altLang="en-US" dirty="0" smtClean="0"/>
@@ -37905,7 +37681,7 @@
         </p:nvSpPr>
         <p:spPr>
           <a:xfrm>
-            <a:off x="5545687" y="5615786"/>
+            <a:off x="5533495" y="5615786"/>
             <a:ext cx="900000" cy="900000"/>
           </a:xfrm>
           <a:prstGeom prst="rect">
@@ -39764,7 +39540,7 @@
         </p:nvSpPr>
         <p:spPr>
           <a:xfrm>
-            <a:off x="5545687" y="5615786"/>
+            <a:off x="5533495" y="5615786"/>
             <a:ext cx="900000" cy="900000"/>
           </a:xfrm>
           <a:prstGeom prst="rect">
@@ -39942,11 +39718,7 @@
           <a:p>
             <a:r>
               <a:rPr lang="en-US" altLang="ko-KR" dirty="0" smtClean="0"/>
-              <a:t>19</a:t>
-            </a:r>
-            <a:r>
-              <a:rPr lang="en-US" altLang="ko-KR" dirty="0" smtClean="0"/>
-              <a:t>_12_</a:t>
+              <a:t>19_12_</a:t>
             </a:r>
             <a:r>
               <a:rPr lang="ko-KR" altLang="en-US" dirty="0" smtClean="0"/>
@@ -42107,7 +41879,7 @@
         </p:nvSpPr>
         <p:spPr>
           <a:xfrm>
-            <a:off x="5545687" y="5615786"/>
+            <a:off x="5533495" y="5615786"/>
             <a:ext cx="900000" cy="900000"/>
           </a:xfrm>
           <a:prstGeom prst="rect">
@@ -42285,11 +42057,7 @@
           <a:p>
             <a:r>
               <a:rPr lang="en-US" altLang="ko-KR" dirty="0" smtClean="0"/>
-              <a:t>19</a:t>
-            </a:r>
-            <a:r>
-              <a:rPr lang="en-US" altLang="ko-KR" dirty="0" smtClean="0"/>
-              <a:t>_12_</a:t>
+              <a:t>19_12_</a:t>
             </a:r>
             <a:r>
               <a:rPr lang="ko-KR" altLang="en-US" dirty="0" smtClean="0"/>
@@ -44328,7 +44096,7 @@
         </p:nvSpPr>
         <p:spPr>
           <a:xfrm>
-            <a:off x="5545687" y="5615786"/>
+            <a:off x="5533495" y="5615786"/>
             <a:ext cx="900000" cy="900000"/>
           </a:xfrm>
           <a:prstGeom prst="rect">
@@ -44506,11 +44274,7 @@
           <a:p>
             <a:r>
               <a:rPr lang="en-US" altLang="ko-KR" dirty="0" smtClean="0"/>
-              <a:t>19</a:t>
-            </a:r>
-            <a:r>
-              <a:rPr lang="en-US" altLang="ko-KR" dirty="0" smtClean="0"/>
-              <a:t>_12_</a:t>
+              <a:t>19_12_</a:t>
             </a:r>
             <a:r>
               <a:rPr lang="ko-KR" altLang="en-US" dirty="0" smtClean="0"/>
@@ -46403,7 +46167,7 @@
         </p:nvSpPr>
         <p:spPr>
           <a:xfrm>
-            <a:off x="5545687" y="5615786"/>
+            <a:off x="5533495" y="5615786"/>
             <a:ext cx="900000" cy="900000"/>
           </a:xfrm>
           <a:prstGeom prst="rect">
@@ -46581,11 +46345,7 @@
           <a:p>
             <a:r>
               <a:rPr lang="en-US" altLang="ko-KR" dirty="0" smtClean="0"/>
-              <a:t>19</a:t>
-            </a:r>
-            <a:r>
-              <a:rPr lang="en-US" altLang="ko-KR" dirty="0" smtClean="0"/>
-              <a:t>_12_</a:t>
+              <a:t>19_12_</a:t>
             </a:r>
             <a:r>
               <a:rPr lang="ko-KR" altLang="en-US" dirty="0" smtClean="0"/>
@@ -48514,7 +48274,7 @@
         </p:nvSpPr>
         <p:spPr>
           <a:xfrm>
-            <a:off x="5545687" y="5615786"/>
+            <a:off x="5533495" y="5615786"/>
             <a:ext cx="900000" cy="900000"/>
           </a:xfrm>
           <a:prstGeom prst="rect">
@@ -48692,11 +48452,7 @@
           <a:p>
             <a:r>
               <a:rPr lang="en-US" altLang="ko-KR" dirty="0" smtClean="0"/>
-              <a:t>19</a:t>
-            </a:r>
-            <a:r>
-              <a:rPr lang="en-US" altLang="ko-KR" dirty="0" smtClean="0"/>
-              <a:t>_12_</a:t>
+              <a:t>19_12_</a:t>
             </a:r>
             <a:r>
               <a:rPr lang="ko-KR" altLang="en-US" dirty="0" smtClean="0"/>
@@ -50802,11 +50558,7 @@
           <a:p>
             <a:r>
               <a:rPr lang="en-US" altLang="ko-KR" dirty="0" smtClean="0"/>
-              <a:t>19</a:t>
-            </a:r>
-            <a:r>
-              <a:rPr lang="en-US" altLang="ko-KR" dirty="0" smtClean="0"/>
-              <a:t>_12_</a:t>
+              <a:t>19_12_</a:t>
             </a:r>
             <a:r>
               <a:rPr lang="ko-KR" altLang="en-US" dirty="0" smtClean="0"/>
@@ -50893,7 +50645,7 @@
         </p:nvSpPr>
         <p:spPr>
           <a:xfrm>
-            <a:off x="5545687" y="5615786"/>
+            <a:off x="5533495" y="5615786"/>
             <a:ext cx="900000" cy="900000"/>
           </a:xfrm>
           <a:prstGeom prst="rect">
@@ -52875,11 +52627,7 @@
           <a:p>
             <a:r>
               <a:rPr lang="en-US" altLang="ko-KR" dirty="0" smtClean="0"/>
-              <a:t>19</a:t>
-            </a:r>
-            <a:r>
-              <a:rPr lang="en-US" altLang="ko-KR" dirty="0" smtClean="0"/>
-              <a:t>_12_</a:t>
+              <a:t>19_12_</a:t>
             </a:r>
             <a:r>
               <a:rPr lang="ko-KR" altLang="en-US" dirty="0" smtClean="0"/>
@@ -53002,7 +52750,7 @@
         </p:nvSpPr>
         <p:spPr>
           <a:xfrm>
-            <a:off x="5545687" y="5615786"/>
+            <a:off x="5533495" y="5615786"/>
             <a:ext cx="900000" cy="900000"/>
           </a:xfrm>
           <a:prstGeom prst="rect">
@@ -54986,11 +54734,7 @@
           <a:p>
             <a:r>
               <a:rPr lang="en-US" altLang="ko-KR" dirty="0" smtClean="0"/>
-              <a:t>19</a:t>
-            </a:r>
-            <a:r>
-              <a:rPr lang="en-US" altLang="ko-KR" dirty="0" smtClean="0"/>
-              <a:t>_12_</a:t>
+              <a:t>19_12_</a:t>
             </a:r>
             <a:r>
               <a:rPr lang="ko-KR" altLang="en-US" dirty="0" smtClean="0"/>
@@ -55077,7 +54821,7 @@
         </p:nvSpPr>
         <p:spPr>
           <a:xfrm>
-            <a:off x="5545687" y="5615786"/>
+            <a:off x="5533495" y="5615786"/>
             <a:ext cx="900000" cy="900000"/>
           </a:xfrm>
           <a:prstGeom prst="rect">
@@ -57063,11 +56807,7 @@
           <a:p>
             <a:r>
               <a:rPr lang="en-US" altLang="ko-KR" dirty="0" smtClean="0"/>
-              <a:t>19</a:t>
-            </a:r>
-            <a:r>
-              <a:rPr lang="en-US" altLang="ko-KR" dirty="0" smtClean="0"/>
-              <a:t>_12_</a:t>
+              <a:t>19_12_</a:t>
             </a:r>
             <a:r>
               <a:rPr lang="ko-KR" altLang="en-US" dirty="0" smtClean="0"/>
@@ -57226,7 +56966,7 @@
         </p:nvSpPr>
         <p:spPr>
           <a:xfrm>
-            <a:off x="5545687" y="5615786"/>
+            <a:off x="5533495" y="5615786"/>
             <a:ext cx="900000" cy="900000"/>
           </a:xfrm>
           <a:prstGeom prst="rect">
@@ -59212,11 +58952,7 @@
           <a:p>
             <a:r>
               <a:rPr lang="en-US" altLang="ko-KR" dirty="0" smtClean="0"/>
-              <a:t>19</a:t>
-            </a:r>
-            <a:r>
-              <a:rPr lang="en-US" altLang="ko-KR" dirty="0" smtClean="0"/>
-              <a:t>_12_</a:t>
+              <a:t>19_12_</a:t>
             </a:r>
             <a:r>
               <a:rPr lang="ko-KR" altLang="en-US" dirty="0" smtClean="0"/>
@@ -59391,7 +59127,7 @@
         </p:nvSpPr>
         <p:spPr>
           <a:xfrm>
-            <a:off x="5545687" y="5615786"/>
+            <a:off x="5533495" y="5615786"/>
             <a:ext cx="900000" cy="900000"/>
           </a:xfrm>
           <a:prstGeom prst="rect">
@@ -61377,11 +61113,7 @@
           <a:p>
             <a:r>
               <a:rPr lang="en-US" altLang="ko-KR" dirty="0" smtClean="0"/>
-              <a:t>19</a:t>
-            </a:r>
-            <a:r>
-              <a:rPr lang="en-US" altLang="ko-KR" dirty="0" smtClean="0"/>
-              <a:t>_12_</a:t>
+              <a:t>19_12_</a:t>
             </a:r>
             <a:r>
               <a:rPr lang="ko-KR" altLang="en-US" dirty="0" smtClean="0"/>
@@ -61540,7 +61272,7 @@
         </p:nvSpPr>
         <p:spPr>
           <a:xfrm>
-            <a:off x="5545687" y="5615786"/>
+            <a:off x="5533495" y="5615786"/>
             <a:ext cx="900000" cy="900000"/>
           </a:xfrm>
           <a:prstGeom prst="rect">
@@ -63526,11 +63258,7 @@
           <a:p>
             <a:r>
               <a:rPr lang="en-US" altLang="ko-KR" dirty="0" smtClean="0"/>
-              <a:t>19</a:t>
-            </a:r>
-            <a:r>
-              <a:rPr lang="en-US" altLang="ko-KR" dirty="0" smtClean="0"/>
-              <a:t>_12_</a:t>
+              <a:t>19_12_</a:t>
             </a:r>
             <a:r>
               <a:rPr lang="ko-KR" altLang="en-US" dirty="0" smtClean="0"/>
@@ -63617,7 +63345,7 @@
         </p:nvSpPr>
         <p:spPr>
           <a:xfrm>
-            <a:off x="5545687" y="5615786"/>
+            <a:off x="5533495" y="5615786"/>
             <a:ext cx="900000" cy="900000"/>
           </a:xfrm>
           <a:prstGeom prst="rect">
@@ -63937,7 +63665,7 @@
   <a:extraClrSchemeLst/>
   <a:extLst>
     <a:ext uri="{05A4C25C-085E-4340-85A3-A5531E510DB2}">
-      <thm15:themeFamily xmlns:thm15="http://schemas.microsoft.com/office/thememl/2012/main" xmlns="" name="Office Theme" id="{62F939B6-93AF-4DB8-9C6B-D6C7DFDC589F}" vid="{4A3C46E8-61CC-4603-A589-7422A47A8E4A}"/>
+      <thm15:themeFamily xmlns:thm15="http://schemas.microsoft.com/office/thememl/2012/main" name="Office Theme" id="{62F939B6-93AF-4DB8-9C6B-D6C7DFDC589F}" vid="{4A3C46E8-61CC-4603-A589-7422A47A8E4A}"/>
     </a:ext>
   </a:extLst>
 </a:theme>
@@ -64198,7 +63926,7 @@
   <a:extraClrSchemeLst/>
   <a:extLst>
     <a:ext uri="{05A4C25C-085E-4340-85A3-A5531E510DB2}">
-      <thm15:themeFamily xmlns:thm15="http://schemas.microsoft.com/office/thememl/2012/main" xmlns="" name="Office Theme" id="{62F939B6-93AF-4DB8-9C6B-D6C7DFDC589F}" vid="{4A3C46E8-61CC-4603-A589-7422A47A8E4A}"/>
+      <thm15:themeFamily xmlns:thm15="http://schemas.microsoft.com/office/thememl/2012/main" name="Office Theme" id="{62F939B6-93AF-4DB8-9C6B-D6C7DFDC589F}" vid="{4A3C46E8-61CC-4603-A589-7422A47A8E4A}"/>
     </a:ext>
   </a:extLst>
 </a:theme>

--- a/DBD 분석/맵 분석/3. 콜드윈드 농장(★)/3. 썩은 들판(★)/19_12_생존자(vs데모고르곤).pptx
+++ b/DBD 분석/맵 분석/3. 콜드윈드 농장(★)/3. 썩은 들판(★)/19_12_생존자(vs데모고르곤).pptx
@@ -231,7 +231,7 @@
           <a:p>
             <a:fld id="{92FB9B8E-7460-4A65-8DD1-5001397F6CD0}" type="datetimeFigureOut">
               <a:rPr lang="ko-KR" altLang="en-US" smtClean="0"/>
-              <a:t>2020-01-31</a:t>
+              <a:t>2020-02-04</a:t>
             </a:fld>
             <a:endParaRPr lang="ko-KR" altLang="en-US"/>
           </a:p>
@@ -1394,8 +1394,13 @@
             </a:r>
             <a:r>
               <a:rPr lang="en-US" altLang="ko-KR" dirty="0" smtClean="0"/>
-              <a:t>: U2</a:t>
-            </a:r>
+              <a:t>: </a:t>
+            </a:r>
+            <a:r>
+              <a:rPr lang="en-US" altLang="ko-KR" dirty="0" smtClean="0"/>
+              <a:t>W5</a:t>
+            </a:r>
+            <a:endParaRPr lang="en-US" altLang="ko-KR" dirty="0" smtClean="0"/>
           </a:p>
           <a:p>
             <a:r>
@@ -6636,8 +6641,13 @@
             </a:r>
             <a:r>
               <a:rPr lang="en-US" altLang="ko-KR" dirty="0" smtClean="0"/>
-              <a:t>: U2-&gt;W5</a:t>
-            </a:r>
+              <a:t>: </a:t>
+            </a:r>
+            <a:r>
+              <a:rPr lang="en-US" altLang="ko-KR" dirty="0" smtClean="0"/>
+              <a:t>W5-&gt;E</a:t>
+            </a:r>
+            <a:endParaRPr lang="en-US" altLang="ko-KR" dirty="0" smtClean="0"/>
           </a:p>
           <a:p>
             <a:r>
@@ -9757,7 +9767,7 @@
           <a:p>
             <a:fld id="{F86301F8-5A19-4D53-B525-D052BC8201C6}" type="datetimeFigureOut">
               <a:rPr lang="ko-KR" altLang="en-US" smtClean="0"/>
-              <a:t>2020-01-31</a:t>
+              <a:t>2020-02-04</a:t>
             </a:fld>
             <a:endParaRPr lang="ko-KR" altLang="en-US"/>
           </a:p>
@@ -9927,7 +9937,7 @@
           <a:p>
             <a:fld id="{F86301F8-5A19-4D53-B525-D052BC8201C6}" type="datetimeFigureOut">
               <a:rPr lang="ko-KR" altLang="en-US" smtClean="0"/>
-              <a:t>2020-01-31</a:t>
+              <a:t>2020-02-04</a:t>
             </a:fld>
             <a:endParaRPr lang="ko-KR" altLang="en-US"/>
           </a:p>
@@ -10107,7 +10117,7 @@
           <a:p>
             <a:fld id="{F86301F8-5A19-4D53-B525-D052BC8201C6}" type="datetimeFigureOut">
               <a:rPr lang="ko-KR" altLang="en-US" smtClean="0"/>
-              <a:t>2020-01-31</a:t>
+              <a:t>2020-02-04</a:t>
             </a:fld>
             <a:endParaRPr lang="ko-KR" altLang="en-US"/>
           </a:p>
@@ -10277,7 +10287,7 @@
           <a:p>
             <a:fld id="{F86301F8-5A19-4D53-B525-D052BC8201C6}" type="datetimeFigureOut">
               <a:rPr lang="ko-KR" altLang="en-US" smtClean="0"/>
-              <a:t>2020-01-31</a:t>
+              <a:t>2020-02-04</a:t>
             </a:fld>
             <a:endParaRPr lang="ko-KR" altLang="en-US"/>
           </a:p>
@@ -10523,7 +10533,7 @@
           <a:p>
             <a:fld id="{F86301F8-5A19-4D53-B525-D052BC8201C6}" type="datetimeFigureOut">
               <a:rPr lang="ko-KR" altLang="en-US" smtClean="0"/>
-              <a:t>2020-01-31</a:t>
+              <a:t>2020-02-04</a:t>
             </a:fld>
             <a:endParaRPr lang="ko-KR" altLang="en-US"/>
           </a:p>
@@ -10755,7 +10765,7 @@
           <a:p>
             <a:fld id="{F86301F8-5A19-4D53-B525-D052BC8201C6}" type="datetimeFigureOut">
               <a:rPr lang="ko-KR" altLang="en-US" smtClean="0"/>
-              <a:t>2020-01-31</a:t>
+              <a:t>2020-02-04</a:t>
             </a:fld>
             <a:endParaRPr lang="ko-KR" altLang="en-US"/>
           </a:p>
@@ -11122,7 +11132,7 @@
           <a:p>
             <a:fld id="{F86301F8-5A19-4D53-B525-D052BC8201C6}" type="datetimeFigureOut">
               <a:rPr lang="ko-KR" altLang="en-US" smtClean="0"/>
-              <a:t>2020-01-31</a:t>
+              <a:t>2020-02-04</a:t>
             </a:fld>
             <a:endParaRPr lang="ko-KR" altLang="en-US"/>
           </a:p>
@@ -11240,7 +11250,7 @@
           <a:p>
             <a:fld id="{F86301F8-5A19-4D53-B525-D052BC8201C6}" type="datetimeFigureOut">
               <a:rPr lang="ko-KR" altLang="en-US" smtClean="0"/>
-              <a:t>2020-01-31</a:t>
+              <a:t>2020-02-04</a:t>
             </a:fld>
             <a:endParaRPr lang="ko-KR" altLang="en-US"/>
           </a:p>
@@ -11335,7 +11345,7 @@
           <a:p>
             <a:fld id="{F86301F8-5A19-4D53-B525-D052BC8201C6}" type="datetimeFigureOut">
               <a:rPr lang="ko-KR" altLang="en-US" smtClean="0"/>
-              <a:t>2020-01-31</a:t>
+              <a:t>2020-02-04</a:t>
             </a:fld>
             <a:endParaRPr lang="ko-KR" altLang="en-US"/>
           </a:p>
@@ -11612,7 +11622,7 @@
           <a:p>
             <a:fld id="{F86301F8-5A19-4D53-B525-D052BC8201C6}" type="datetimeFigureOut">
               <a:rPr lang="ko-KR" altLang="en-US" smtClean="0"/>
-              <a:t>2020-01-31</a:t>
+              <a:t>2020-02-04</a:t>
             </a:fld>
             <a:endParaRPr lang="ko-KR" altLang="en-US"/>
           </a:p>
@@ -11865,7 +11875,7 @@
           <a:p>
             <a:fld id="{F86301F8-5A19-4D53-B525-D052BC8201C6}" type="datetimeFigureOut">
               <a:rPr lang="ko-KR" altLang="en-US" smtClean="0"/>
-              <a:t>2020-01-31</a:t>
+              <a:t>2020-02-04</a:t>
             </a:fld>
             <a:endParaRPr lang="ko-KR" altLang="en-US"/>
           </a:p>
@@ -12078,7 +12088,7 @@
           <a:p>
             <a:fld id="{F86301F8-5A19-4D53-B525-D052BC8201C6}" type="datetimeFigureOut">
               <a:rPr lang="ko-KR" altLang="en-US" smtClean="0"/>
-              <a:t>2020-01-31</a:t>
+              <a:t>2020-02-04</a:t>
             </a:fld>
             <a:endParaRPr lang="ko-KR" altLang="en-US"/>
           </a:p>
